--- a/SDSS_Classification_Presentation.pptx
+++ b/SDSS_Classification_Presentation.pptx
@@ -5,7 +5,7 @@
     <p:sldMasterId id="2147483816" r:id="rId1"/>
   </p:sldMasterIdLst>
   <p:notesMasterIdLst>
-    <p:notesMasterId r:id="rId22"/>
+    <p:notesMasterId r:id="rId23"/>
   </p:notesMasterIdLst>
   <p:sldIdLst>
     <p:sldId id="256" r:id="rId2"/>
@@ -17,17 +17,18 @@
     <p:sldId id="273" r:id="rId8"/>
     <p:sldId id="270" r:id="rId9"/>
     <p:sldId id="271" r:id="rId10"/>
-    <p:sldId id="272" r:id="rId11"/>
-    <p:sldId id="264" r:id="rId12"/>
-    <p:sldId id="260" r:id="rId13"/>
-    <p:sldId id="275" r:id="rId14"/>
-    <p:sldId id="282" r:id="rId15"/>
-    <p:sldId id="263" r:id="rId16"/>
-    <p:sldId id="278" r:id="rId17"/>
-    <p:sldId id="277" r:id="rId18"/>
-    <p:sldId id="279" r:id="rId19"/>
-    <p:sldId id="280" r:id="rId20"/>
-    <p:sldId id="281" r:id="rId21"/>
+    <p:sldId id="283" r:id="rId11"/>
+    <p:sldId id="272" r:id="rId12"/>
+    <p:sldId id="264" r:id="rId13"/>
+    <p:sldId id="260" r:id="rId14"/>
+    <p:sldId id="275" r:id="rId15"/>
+    <p:sldId id="282" r:id="rId16"/>
+    <p:sldId id="263" r:id="rId17"/>
+    <p:sldId id="278" r:id="rId18"/>
+    <p:sldId id="277" r:id="rId19"/>
+    <p:sldId id="279" r:id="rId20"/>
+    <p:sldId id="280" r:id="rId21"/>
+    <p:sldId id="281" r:id="rId22"/>
   </p:sldIdLst>
   <p:sldSz cx="12192000" cy="6858000"/>
   <p:notesSz cx="6858000" cy="9144000"/>
@@ -126,6 +127,11 @@
       </a:defRPr>
     </a:lvl9pPr>
   </p:defaultTextStyle>
+  <p:extLst>
+    <p:ext uri="{EFAFB233-063F-42B5-8137-9DF3F51BA10A}">
+      <p15:sldGuideLst xmlns:p15="http://schemas.microsoft.com/office/powerpoint/2012/main"/>
+    </p:ext>
+  </p:extLst>
 </p:presentation>
 </file>
 
@@ -211,7 +217,7 @@
           <a:p>
             <a:fld id="{08FF9E65-1948-204F-AD89-5F321E115A20}" type="datetimeFigureOut">
               <a:rPr lang="en-US" smtClean="0"/>
-              <a:t>11/9/21</a:t>
+              <a:t>11/10/21</a:t>
             </a:fld>
             <a:endParaRPr lang="en-US"/>
           </a:p>
@@ -647,7 +653,7 @@
           <a:p>
             <a:fld id="{A882C5B0-1A3D-CC46-B6F3-C2062F8AEEA8}" type="datetimeFigureOut">
               <a:rPr lang="en-US" smtClean="0"/>
-              <a:t>11/9/21</a:t>
+              <a:t>11/10/21</a:t>
             </a:fld>
             <a:endParaRPr lang="en-US"/>
           </a:p>
@@ -875,7 +881,7 @@
           <a:p>
             <a:fld id="{A882C5B0-1A3D-CC46-B6F3-C2062F8AEEA8}" type="datetimeFigureOut">
               <a:rPr lang="en-US" smtClean="0"/>
-              <a:t>11/9/21</a:t>
+              <a:t>11/10/21</a:t>
             </a:fld>
             <a:endParaRPr lang="en-US"/>
           </a:p>
@@ -1050,7 +1056,7 @@
           <a:p>
             <a:fld id="{A882C5B0-1A3D-CC46-B6F3-C2062F8AEEA8}" type="datetimeFigureOut">
               <a:rPr lang="en-US" smtClean="0"/>
-              <a:t>11/9/21</a:t>
+              <a:t>11/10/21</a:t>
             </a:fld>
             <a:endParaRPr lang="en-US"/>
           </a:p>
@@ -1220,7 +1226,7 @@
           <a:p>
             <a:fld id="{A882C5B0-1A3D-CC46-B6F3-C2062F8AEEA8}" type="datetimeFigureOut">
               <a:rPr lang="en-US" smtClean="0"/>
-              <a:t>11/9/21</a:t>
+              <a:t>11/10/21</a:t>
             </a:fld>
             <a:endParaRPr lang="en-US"/>
           </a:p>
@@ -1469,7 +1475,7 @@
           <a:p>
             <a:fld id="{A882C5B0-1A3D-CC46-B6F3-C2062F8AEEA8}" type="datetimeFigureOut">
               <a:rPr lang="en-US" smtClean="0"/>
-              <a:t>11/9/21</a:t>
+              <a:t>11/10/21</a:t>
             </a:fld>
             <a:endParaRPr lang="en-US"/>
           </a:p>
@@ -1795,7 +1801,7 @@
           <a:p>
             <a:fld id="{A882C5B0-1A3D-CC46-B6F3-C2062F8AEEA8}" type="datetimeFigureOut">
               <a:rPr lang="en-US" smtClean="0"/>
-              <a:t>11/9/21</a:t>
+              <a:t>11/10/21</a:t>
             </a:fld>
             <a:endParaRPr lang="en-US"/>
           </a:p>
@@ -2241,7 +2247,7 @@
           <a:p>
             <a:fld id="{A882C5B0-1A3D-CC46-B6F3-C2062F8AEEA8}" type="datetimeFigureOut">
               <a:rPr lang="en-US" smtClean="0"/>
-              <a:t>11/9/21</a:t>
+              <a:t>11/10/21</a:t>
             </a:fld>
             <a:endParaRPr lang="en-US"/>
           </a:p>
@@ -2354,7 +2360,7 @@
           <a:p>
             <a:fld id="{A882C5B0-1A3D-CC46-B6F3-C2062F8AEEA8}" type="datetimeFigureOut">
               <a:rPr lang="en-US" smtClean="0"/>
-              <a:t>11/9/21</a:t>
+              <a:t>11/10/21</a:t>
             </a:fld>
             <a:endParaRPr lang="en-US"/>
           </a:p>
@@ -2444,7 +2450,7 @@
           <a:p>
             <a:fld id="{A882C5B0-1A3D-CC46-B6F3-C2062F8AEEA8}" type="datetimeFigureOut">
               <a:rPr lang="en-US" smtClean="0"/>
-              <a:t>11/9/21</a:t>
+              <a:t>11/10/21</a:t>
             </a:fld>
             <a:endParaRPr lang="en-US"/>
           </a:p>
@@ -2726,7 +2732,7 @@
           <a:p>
             <a:fld id="{A882C5B0-1A3D-CC46-B6F3-C2062F8AEEA8}" type="datetimeFigureOut">
               <a:rPr lang="en-US" smtClean="0"/>
-              <a:t>11/9/21</a:t>
+              <a:t>11/10/21</a:t>
             </a:fld>
             <a:endParaRPr lang="en-US"/>
           </a:p>
@@ -3043,7 +3049,7 @@
           <a:p>
             <a:fld id="{A882C5B0-1A3D-CC46-B6F3-C2062F8AEEA8}" type="datetimeFigureOut">
               <a:rPr lang="en-US" smtClean="0"/>
-              <a:t>11/9/21</a:t>
+              <a:t>11/10/21</a:t>
             </a:fld>
             <a:endParaRPr lang="en-US"/>
           </a:p>
@@ -3292,7 +3298,7 @@
           <a:p>
             <a:fld id="{A882C5B0-1A3D-CC46-B6F3-C2062F8AEEA8}" type="datetimeFigureOut">
               <a:rPr lang="en-US" smtClean="0"/>
-              <a:t>11/9/21</a:t>
+              <a:t>11/10/21</a:t>
             </a:fld>
             <a:endParaRPr lang="en-US"/>
           </a:p>
@@ -3997,11 +4003,7 @@
             <a:graphicFrameLocks noGrp="1"/>
           </p:cNvGraphicFramePr>
           <p:nvPr>
-            <p:extLst>
-              <p:ext uri="{D42A27DB-BD31-4B8C-83A1-F6EECF244321}">
-                <p14:modId xmlns:p14="http://schemas.microsoft.com/office/powerpoint/2010/main" val="1573368917"/>
-              </p:ext>
-            </p:extLst>
+            <p:extLst/>
           </p:nvPr>
         </p:nvGraphicFramePr>
         <p:xfrm>
@@ -4896,6 +4898,1334 @@
       </p:sp>
       <p:sp>
         <p:nvSpPr>
+          <p:cNvPr id="8" name="Content Placeholder 2"/>
+          <p:cNvSpPr txBox="1">
+            <a:spLocks/>
+          </p:cNvSpPr>
+          <p:nvPr/>
+        </p:nvSpPr>
+        <p:spPr>
+          <a:xfrm>
+            <a:off x="4547023" y="1732299"/>
+            <a:ext cx="3907665" cy="4080387"/>
+          </a:xfrm>
+          <a:prstGeom prst="rect">
+            <a:avLst/>
+          </a:prstGeom>
+        </p:spPr>
+        <p:txBody>
+          <a:bodyPr vert="horz" lIns="91440" tIns="45720" rIns="91440" bIns="45720" rtlCol="0">
+            <a:normAutofit/>
+          </a:bodyPr>
+          <a:lstStyle>
+            <a:lvl1pPr marL="182880" indent="-182880" algn="l" defTabSz="914400" rtl="0" eaLnBrk="1" latinLnBrk="0" hangingPunct="1">
+              <a:lnSpc>
+                <a:spcPct val="95000"/>
+              </a:lnSpc>
+              <a:spcBef>
+                <a:spcPts val="1400"/>
+              </a:spcBef>
+              <a:spcAft>
+                <a:spcPts val="200"/>
+              </a:spcAft>
+              <a:buClr>
+                <a:schemeClr val="accent1"/>
+              </a:buClr>
+              <a:buSzPct val="80000"/>
+              <a:buFont typeface="Arial" pitchFamily="34" charset="0"/>
+              <a:buChar char="•"/>
+              <a:defRPr sz="1800" kern="1200" spc="10" baseline="0">
+                <a:solidFill>
+                  <a:schemeClr val="tx1"/>
+                </a:solidFill>
+                <a:latin typeface="+mn-lt"/>
+                <a:ea typeface="+mn-ea"/>
+                <a:cs typeface="+mn-cs"/>
+              </a:defRPr>
+            </a:lvl1pPr>
+            <a:lvl2pPr marL="457200" indent="-182880" algn="l" defTabSz="914400" rtl="0" eaLnBrk="1" latinLnBrk="0" hangingPunct="1">
+              <a:lnSpc>
+                <a:spcPct val="90000"/>
+              </a:lnSpc>
+              <a:spcBef>
+                <a:spcPts val="300"/>
+              </a:spcBef>
+              <a:spcAft>
+                <a:spcPts val="300"/>
+              </a:spcAft>
+              <a:buClr>
+                <a:schemeClr val="accent1"/>
+              </a:buClr>
+              <a:buFont typeface="Wingdings 2" pitchFamily="18" charset="2"/>
+              <a:buChar char=""/>
+              <a:defRPr sz="1600" kern="1200">
+                <a:solidFill>
+                  <a:schemeClr val="tx1">
+                    <a:lumMod val="85000"/>
+                    <a:lumOff val="15000"/>
+                  </a:schemeClr>
+                </a:solidFill>
+                <a:latin typeface="+mn-lt"/>
+                <a:ea typeface="+mn-ea"/>
+                <a:cs typeface="+mn-cs"/>
+              </a:defRPr>
+            </a:lvl2pPr>
+            <a:lvl3pPr marL="731520" indent="-182880" algn="l" defTabSz="914400" rtl="0" eaLnBrk="1" latinLnBrk="0" hangingPunct="1">
+              <a:lnSpc>
+                <a:spcPct val="90000"/>
+              </a:lnSpc>
+              <a:spcBef>
+                <a:spcPts val="300"/>
+              </a:spcBef>
+              <a:spcAft>
+                <a:spcPts val="300"/>
+              </a:spcAft>
+              <a:buClr>
+                <a:schemeClr val="accent1"/>
+              </a:buClr>
+              <a:buFont typeface="Wingdings 2" pitchFamily="18" charset="2"/>
+              <a:buChar char=""/>
+              <a:defRPr sz="1400" kern="1200">
+                <a:solidFill>
+                  <a:schemeClr val="tx1">
+                    <a:lumMod val="85000"/>
+                    <a:lumOff val="15000"/>
+                  </a:schemeClr>
+                </a:solidFill>
+                <a:latin typeface="+mn-lt"/>
+                <a:ea typeface="+mn-ea"/>
+                <a:cs typeface="+mn-cs"/>
+              </a:defRPr>
+            </a:lvl3pPr>
+            <a:lvl4pPr marL="1005840" indent="-182880" algn="l" defTabSz="914400" rtl="0" eaLnBrk="1" latinLnBrk="0" hangingPunct="1">
+              <a:lnSpc>
+                <a:spcPct val="90000"/>
+              </a:lnSpc>
+              <a:spcBef>
+                <a:spcPts val="300"/>
+              </a:spcBef>
+              <a:spcAft>
+                <a:spcPts val="300"/>
+              </a:spcAft>
+              <a:buClr>
+                <a:schemeClr val="accent1"/>
+              </a:buClr>
+              <a:buFont typeface="Wingdings 2" pitchFamily="18" charset="2"/>
+              <a:buChar char=""/>
+              <a:defRPr sz="1400" kern="1200">
+                <a:solidFill>
+                  <a:schemeClr val="tx1">
+                    <a:lumMod val="85000"/>
+                    <a:lumOff val="15000"/>
+                  </a:schemeClr>
+                </a:solidFill>
+                <a:latin typeface="+mn-lt"/>
+                <a:ea typeface="+mn-ea"/>
+                <a:cs typeface="+mn-cs"/>
+              </a:defRPr>
+            </a:lvl4pPr>
+            <a:lvl5pPr marL="1280160" indent="-182880" algn="l" defTabSz="914400" rtl="0" eaLnBrk="1" latinLnBrk="0" hangingPunct="1">
+              <a:lnSpc>
+                <a:spcPct val="90000"/>
+              </a:lnSpc>
+              <a:spcBef>
+                <a:spcPts val="300"/>
+              </a:spcBef>
+              <a:spcAft>
+                <a:spcPts val="300"/>
+              </a:spcAft>
+              <a:buClr>
+                <a:schemeClr val="accent1"/>
+              </a:buClr>
+              <a:buFont typeface="Wingdings 2" pitchFamily="18" charset="2"/>
+              <a:buChar char=""/>
+              <a:defRPr sz="1400" kern="1200">
+                <a:solidFill>
+                  <a:schemeClr val="tx1">
+                    <a:lumMod val="85000"/>
+                    <a:lumOff val="15000"/>
+                  </a:schemeClr>
+                </a:solidFill>
+                <a:latin typeface="+mn-lt"/>
+                <a:ea typeface="+mn-ea"/>
+                <a:cs typeface="+mn-cs"/>
+              </a:defRPr>
+            </a:lvl5pPr>
+            <a:lvl6pPr marL="1600000" indent="-228600" algn="l" defTabSz="914400" rtl="0" eaLnBrk="1" latinLnBrk="0" hangingPunct="1">
+              <a:lnSpc>
+                <a:spcPct val="90000"/>
+              </a:lnSpc>
+              <a:spcBef>
+                <a:spcPts val="300"/>
+              </a:spcBef>
+              <a:spcAft>
+                <a:spcPts val="300"/>
+              </a:spcAft>
+              <a:buClr>
+                <a:schemeClr val="accent1"/>
+              </a:buClr>
+              <a:buFont typeface="Wingdings 2" pitchFamily="18" charset="2"/>
+              <a:buChar char=""/>
+              <a:defRPr sz="1400" kern="1200">
+                <a:solidFill>
+                  <a:schemeClr val="tx1">
+                    <a:lumMod val="85000"/>
+                    <a:lumOff val="15000"/>
+                  </a:schemeClr>
+                </a:solidFill>
+                <a:latin typeface="+mn-lt"/>
+                <a:ea typeface="+mn-ea"/>
+                <a:cs typeface="+mn-cs"/>
+              </a:defRPr>
+            </a:lvl6pPr>
+            <a:lvl7pPr marL="1900000" indent="-228600" algn="l" defTabSz="914400" rtl="0" eaLnBrk="1" latinLnBrk="0" hangingPunct="1">
+              <a:lnSpc>
+                <a:spcPct val="90000"/>
+              </a:lnSpc>
+              <a:spcBef>
+                <a:spcPts val="300"/>
+              </a:spcBef>
+              <a:spcAft>
+                <a:spcPts val="300"/>
+              </a:spcAft>
+              <a:buClr>
+                <a:schemeClr val="accent1"/>
+              </a:buClr>
+              <a:buFont typeface="Wingdings 2" pitchFamily="18" charset="2"/>
+              <a:buChar char=""/>
+              <a:defRPr sz="1400" kern="1200">
+                <a:solidFill>
+                  <a:schemeClr val="tx1">
+                    <a:lumMod val="85000"/>
+                    <a:lumOff val="15000"/>
+                  </a:schemeClr>
+                </a:solidFill>
+                <a:latin typeface="+mn-lt"/>
+                <a:ea typeface="+mn-ea"/>
+                <a:cs typeface="+mn-cs"/>
+              </a:defRPr>
+            </a:lvl7pPr>
+            <a:lvl8pPr marL="2200000" indent="-228600" algn="l" defTabSz="914400" rtl="0" eaLnBrk="1" latinLnBrk="0" hangingPunct="1">
+              <a:lnSpc>
+                <a:spcPct val="90000"/>
+              </a:lnSpc>
+              <a:spcBef>
+                <a:spcPts val="300"/>
+              </a:spcBef>
+              <a:spcAft>
+                <a:spcPts val="300"/>
+              </a:spcAft>
+              <a:buClr>
+                <a:schemeClr val="accent1"/>
+              </a:buClr>
+              <a:buFont typeface="Wingdings 2" pitchFamily="18" charset="2"/>
+              <a:buChar char=""/>
+              <a:defRPr sz="1400" kern="1200">
+                <a:solidFill>
+                  <a:schemeClr val="tx1">
+                    <a:lumMod val="85000"/>
+                    <a:lumOff val="15000"/>
+                  </a:schemeClr>
+                </a:solidFill>
+                <a:latin typeface="+mn-lt"/>
+                <a:ea typeface="+mn-ea"/>
+                <a:cs typeface="+mn-cs"/>
+              </a:defRPr>
+            </a:lvl8pPr>
+            <a:lvl9pPr marL="2500000" indent="-228600" algn="l" defTabSz="914400" rtl="0" eaLnBrk="1" latinLnBrk="0" hangingPunct="1">
+              <a:lnSpc>
+                <a:spcPct val="90000"/>
+              </a:lnSpc>
+              <a:spcBef>
+                <a:spcPts val="300"/>
+              </a:spcBef>
+              <a:spcAft>
+                <a:spcPts val="300"/>
+              </a:spcAft>
+              <a:buClr>
+                <a:schemeClr val="accent1"/>
+              </a:buClr>
+              <a:buFont typeface="Wingdings 2" pitchFamily="18" charset="2"/>
+              <a:buChar char=""/>
+              <a:defRPr sz="1400" kern="1200">
+                <a:solidFill>
+                  <a:schemeClr val="tx1">
+                    <a:lumMod val="85000"/>
+                    <a:lumOff val="15000"/>
+                  </a:schemeClr>
+                </a:solidFill>
+                <a:latin typeface="+mn-lt"/>
+                <a:ea typeface="+mn-ea"/>
+                <a:cs typeface="+mn-cs"/>
+              </a:defRPr>
+            </a:lvl9pPr>
+          </a:lstStyle>
+          <a:p>
+            <a:pPr marL="0" indent="0">
+              <a:buNone/>
+            </a:pPr>
+            <a:r>
+              <a:rPr lang="en-US" b="1" u="sng" dirty="0" smtClean="0">
+                <a:solidFill>
+                  <a:srgbClr val="00B050"/>
+                </a:solidFill>
+              </a:rPr>
+              <a:t>Classification Target – Class</a:t>
+            </a:r>
+          </a:p>
+          <a:p>
+            <a:pPr>
+              <a:lnSpc>
+                <a:spcPct val="200000"/>
+              </a:lnSpc>
+            </a:pPr>
+            <a:r>
+              <a:rPr lang="en-US" dirty="0" smtClean="0"/>
+              <a:t>Galaxy</a:t>
+            </a:r>
+          </a:p>
+          <a:p>
+            <a:pPr>
+              <a:lnSpc>
+                <a:spcPct val="200000"/>
+              </a:lnSpc>
+            </a:pPr>
+            <a:r>
+              <a:rPr lang="en-US" dirty="0" smtClean="0"/>
+              <a:t>Star</a:t>
+            </a:r>
+          </a:p>
+          <a:p>
+            <a:pPr>
+              <a:lnSpc>
+                <a:spcPct val="200000"/>
+              </a:lnSpc>
+            </a:pPr>
+            <a:r>
+              <a:rPr lang="en-US" dirty="0" smtClean="0"/>
+              <a:t>Quasar Object</a:t>
+            </a:r>
+            <a:endParaRPr lang="en-US" dirty="0"/>
+          </a:p>
+        </p:txBody>
+      </p:sp>
+    </p:spTree>
+    <p:extLst>
+      <p:ext uri="{BB962C8B-B14F-4D97-AF65-F5344CB8AC3E}">
+        <p14:creationId xmlns:p14="http://schemas.microsoft.com/office/powerpoint/2010/main" val="1431461447"/>
+      </p:ext>
+    </p:extLst>
+  </p:cSld>
+  <p:clrMapOvr>
+    <a:masterClrMapping/>
+  </p:clrMapOvr>
+  <p:timing>
+    <p:tnLst>
+      <p:par>
+        <p:cTn id="1" dur="indefinite" restart="never" nodeType="tmRoot"/>
+      </p:par>
+    </p:tnLst>
+  </p:timing>
+</p:sld>
+</file>
+
+<file path=ppt/slides/slide11.xml><?xml version="1.0" encoding="utf-8"?>
+<p:sld xmlns:a="http://schemas.openxmlformats.org/drawingml/2006/main" xmlns:r="http://schemas.openxmlformats.org/officeDocument/2006/relationships" xmlns:p="http://schemas.openxmlformats.org/presentationml/2006/main">
+  <p:cSld>
+    <p:spTree>
+      <p:nvGrpSpPr>
+        <p:cNvPr id="1" name=""/>
+        <p:cNvGrpSpPr/>
+        <p:nvPr/>
+      </p:nvGrpSpPr>
+      <p:grpSpPr>
+        <a:xfrm>
+          <a:off x="0" y="0"/>
+          <a:ext cx="0" cy="0"/>
+          <a:chOff x="0" y="0"/>
+          <a:chExt cx="0" cy="0"/>
+        </a:xfrm>
+      </p:grpSpPr>
+      <p:sp>
+        <p:nvSpPr>
+          <p:cNvPr id="2" name="Title 1"/>
+          <p:cNvSpPr>
+            <a:spLocks noGrp="1"/>
+          </p:cNvSpPr>
+          <p:nvPr>
+            <p:ph type="title"/>
+          </p:nvPr>
+        </p:nvSpPr>
+        <p:spPr>
+          <a:xfrm>
+            <a:off x="1141413" y="609600"/>
+            <a:ext cx="9905998" cy="879987"/>
+          </a:xfrm>
+        </p:spPr>
+        <p:txBody>
+          <a:bodyPr/>
+          <a:lstStyle/>
+          <a:p>
+            <a:r>
+              <a:rPr lang="en-US" dirty="0" smtClean="0"/>
+              <a:t>Data</a:t>
+            </a:r>
+            <a:endParaRPr lang="en-US" dirty="0"/>
+          </a:p>
+        </p:txBody>
+      </p:sp>
+      <p:graphicFrame>
+        <p:nvGraphicFramePr>
+          <p:cNvPr id="7" name="Table 6"/>
+          <p:cNvGraphicFramePr>
+            <a:graphicFrameLocks noGrp="1"/>
+          </p:cNvGraphicFramePr>
+          <p:nvPr>
+            <p:extLst>
+              <p:ext uri="{D42A27DB-BD31-4B8C-83A1-F6EECF244321}">
+                <p14:modId xmlns:p14="http://schemas.microsoft.com/office/powerpoint/2010/main" val="2032519351"/>
+              </p:ext>
+            </p:extLst>
+          </p:nvPr>
+        </p:nvGraphicFramePr>
+        <p:xfrm>
+          <a:off x="8563957" y="243840"/>
+          <a:ext cx="1872130" cy="6370320"/>
+        </p:xfrm>
+        <a:graphic>
+          <a:graphicData uri="http://schemas.openxmlformats.org/drawingml/2006/table">
+            <a:tbl>
+              <a:tblPr firstRow="1" bandRow="1">
+                <a:tableStyleId>{5C22544A-7EE6-4342-B048-85BDC9FD1C3A}</a:tableStyleId>
+              </a:tblPr>
+              <a:tblGrid>
+                <a:gridCol w="1872130"/>
+              </a:tblGrid>
+              <a:tr h="273036">
+                <a:tc>
+                  <a:txBody>
+                    <a:bodyPr/>
+                    <a:lstStyle/>
+                    <a:p>
+                      <a:pPr algn="ctr"/>
+                      <a:r>
+                        <a:rPr lang="en-US" sz="1600" dirty="0" smtClean="0"/>
+                        <a:t>FEATURES</a:t>
+                      </a:r>
+                      <a:endParaRPr lang="en-US" sz="1600" dirty="0"/>
+                    </a:p>
+                  </a:txBody>
+                  <a:tcPr/>
+                </a:tc>
+              </a:tr>
+              <a:tr h="273036">
+                <a:tc>
+                  <a:txBody>
+                    <a:bodyPr/>
+                    <a:lstStyle/>
+                    <a:p>
+                      <a:pPr algn="ctr"/>
+                      <a:r>
+                        <a:rPr lang="en-US" sz="1600" dirty="0" err="1" smtClean="0">
+                          <a:solidFill>
+                            <a:schemeClr val="bg1">
+                              <a:lumMod val="65000"/>
+                            </a:schemeClr>
+                          </a:solidFill>
+                        </a:rPr>
+                        <a:t>Objid</a:t>
+                      </a:r>
+                      <a:endParaRPr lang="en-US" sz="1600" dirty="0">
+                        <a:solidFill>
+                          <a:schemeClr val="bg1">
+                            <a:lumMod val="65000"/>
+                          </a:schemeClr>
+                        </a:solidFill>
+                      </a:endParaRPr>
+                    </a:p>
+                  </a:txBody>
+                  <a:tcPr/>
+                </a:tc>
+              </a:tr>
+              <a:tr h="273036">
+                <a:tc>
+                  <a:txBody>
+                    <a:bodyPr/>
+                    <a:lstStyle/>
+                    <a:p>
+                      <a:pPr algn="ctr"/>
+                      <a:r>
+                        <a:rPr lang="en-US" sz="1600" dirty="0" err="1" smtClean="0">
+                          <a:solidFill>
+                            <a:srgbClr val="0070C0"/>
+                          </a:solidFill>
+                        </a:rPr>
+                        <a:t>ra</a:t>
+                      </a:r>
+                      <a:endParaRPr lang="en-US" sz="1600" dirty="0">
+                        <a:solidFill>
+                          <a:srgbClr val="0070C0"/>
+                        </a:solidFill>
+                      </a:endParaRPr>
+                    </a:p>
+                  </a:txBody>
+                  <a:tcPr/>
+                </a:tc>
+              </a:tr>
+              <a:tr h="273036">
+                <a:tc>
+                  <a:txBody>
+                    <a:bodyPr/>
+                    <a:lstStyle/>
+                    <a:p>
+                      <a:pPr algn="ctr"/>
+                      <a:r>
+                        <a:rPr lang="en-US" sz="1600" dirty="0" err="1" smtClean="0">
+                          <a:solidFill>
+                            <a:srgbClr val="0070C0"/>
+                          </a:solidFill>
+                        </a:rPr>
+                        <a:t>dec</a:t>
+                      </a:r>
+                      <a:endParaRPr lang="en-US" sz="1600" dirty="0">
+                        <a:solidFill>
+                          <a:srgbClr val="0070C0"/>
+                        </a:solidFill>
+                      </a:endParaRPr>
+                    </a:p>
+                  </a:txBody>
+                  <a:tcPr/>
+                </a:tc>
+              </a:tr>
+              <a:tr h="273036">
+                <a:tc>
+                  <a:txBody>
+                    <a:bodyPr/>
+                    <a:lstStyle/>
+                    <a:p>
+                      <a:pPr algn="ctr"/>
+                      <a:r>
+                        <a:rPr lang="en-US" sz="1600" dirty="0" smtClean="0">
+                          <a:solidFill>
+                            <a:srgbClr val="0070C0"/>
+                          </a:solidFill>
+                        </a:rPr>
+                        <a:t>u-band</a:t>
+                      </a:r>
+                      <a:endParaRPr lang="en-US" sz="1600" dirty="0">
+                        <a:solidFill>
+                          <a:srgbClr val="0070C0"/>
+                        </a:solidFill>
+                      </a:endParaRPr>
+                    </a:p>
+                  </a:txBody>
+                  <a:tcPr/>
+                </a:tc>
+              </a:tr>
+              <a:tr h="273036">
+                <a:tc>
+                  <a:txBody>
+                    <a:bodyPr/>
+                    <a:lstStyle/>
+                    <a:p>
+                      <a:pPr algn="ctr"/>
+                      <a:r>
+                        <a:rPr lang="en-US" sz="1600" dirty="0" smtClean="0">
+                          <a:solidFill>
+                            <a:srgbClr val="0070C0"/>
+                          </a:solidFill>
+                        </a:rPr>
+                        <a:t>g-band</a:t>
+                      </a:r>
+                      <a:endParaRPr lang="en-US" sz="1600" dirty="0">
+                        <a:solidFill>
+                          <a:srgbClr val="0070C0"/>
+                        </a:solidFill>
+                      </a:endParaRPr>
+                    </a:p>
+                  </a:txBody>
+                  <a:tcPr/>
+                </a:tc>
+              </a:tr>
+              <a:tr h="273036">
+                <a:tc>
+                  <a:txBody>
+                    <a:bodyPr/>
+                    <a:lstStyle/>
+                    <a:p>
+                      <a:pPr algn="ctr"/>
+                      <a:r>
+                        <a:rPr lang="en-US" sz="1600" dirty="0" smtClean="0">
+                          <a:solidFill>
+                            <a:srgbClr val="0070C0"/>
+                          </a:solidFill>
+                        </a:rPr>
+                        <a:t>r-band</a:t>
+                      </a:r>
+                      <a:endParaRPr lang="en-US" sz="1600" dirty="0">
+                        <a:solidFill>
+                          <a:srgbClr val="0070C0"/>
+                        </a:solidFill>
+                      </a:endParaRPr>
+                    </a:p>
+                  </a:txBody>
+                  <a:tcPr/>
+                </a:tc>
+              </a:tr>
+              <a:tr h="273036">
+                <a:tc>
+                  <a:txBody>
+                    <a:bodyPr/>
+                    <a:lstStyle/>
+                    <a:p>
+                      <a:pPr algn="ctr"/>
+                      <a:r>
+                        <a:rPr lang="en-US" sz="1600" dirty="0" err="1" smtClean="0">
+                          <a:solidFill>
+                            <a:srgbClr val="0070C0"/>
+                          </a:solidFill>
+                        </a:rPr>
+                        <a:t>i</a:t>
+                      </a:r>
+                      <a:r>
+                        <a:rPr lang="en-US" sz="1600" dirty="0" smtClean="0">
+                          <a:solidFill>
+                            <a:srgbClr val="0070C0"/>
+                          </a:solidFill>
+                        </a:rPr>
+                        <a:t>-band</a:t>
+                      </a:r>
+                      <a:endParaRPr lang="en-US" sz="1600" dirty="0">
+                        <a:solidFill>
+                          <a:srgbClr val="0070C0"/>
+                        </a:solidFill>
+                      </a:endParaRPr>
+                    </a:p>
+                  </a:txBody>
+                  <a:tcPr/>
+                </a:tc>
+              </a:tr>
+              <a:tr h="273036">
+                <a:tc>
+                  <a:txBody>
+                    <a:bodyPr/>
+                    <a:lstStyle/>
+                    <a:p>
+                      <a:pPr algn="ctr"/>
+                      <a:r>
+                        <a:rPr lang="en-US" sz="1600" dirty="0" smtClean="0">
+                          <a:solidFill>
+                            <a:srgbClr val="0070C0"/>
+                          </a:solidFill>
+                        </a:rPr>
+                        <a:t>z-band</a:t>
+                      </a:r>
+                      <a:endParaRPr lang="en-US" sz="1600" dirty="0">
+                        <a:solidFill>
+                          <a:srgbClr val="0070C0"/>
+                        </a:solidFill>
+                      </a:endParaRPr>
+                    </a:p>
+                  </a:txBody>
+                  <a:tcPr/>
+                </a:tc>
+              </a:tr>
+              <a:tr h="273036">
+                <a:tc>
+                  <a:txBody>
+                    <a:bodyPr/>
+                    <a:lstStyle/>
+                    <a:p>
+                      <a:pPr algn="ctr"/>
+                      <a:r>
+                        <a:rPr lang="en-US" sz="1600" dirty="0" smtClean="0">
+                          <a:solidFill>
+                            <a:schemeClr val="bg1">
+                              <a:lumMod val="65000"/>
+                            </a:schemeClr>
+                          </a:solidFill>
+                        </a:rPr>
+                        <a:t>run</a:t>
+                      </a:r>
+                      <a:endParaRPr lang="en-US" sz="1600" dirty="0">
+                        <a:solidFill>
+                          <a:schemeClr val="bg1">
+                            <a:lumMod val="65000"/>
+                          </a:schemeClr>
+                        </a:solidFill>
+                      </a:endParaRPr>
+                    </a:p>
+                  </a:txBody>
+                  <a:tcPr/>
+                </a:tc>
+              </a:tr>
+              <a:tr h="273036">
+                <a:tc>
+                  <a:txBody>
+                    <a:bodyPr/>
+                    <a:lstStyle/>
+                    <a:p>
+                      <a:pPr algn="ctr"/>
+                      <a:r>
+                        <a:rPr lang="en-US" sz="1600" dirty="0" smtClean="0">
+                          <a:solidFill>
+                            <a:schemeClr val="bg1">
+                              <a:lumMod val="65000"/>
+                            </a:schemeClr>
+                          </a:solidFill>
+                        </a:rPr>
+                        <a:t>rerun</a:t>
+                      </a:r>
+                      <a:endParaRPr lang="en-US" sz="1600" dirty="0">
+                        <a:solidFill>
+                          <a:schemeClr val="bg1">
+                            <a:lumMod val="65000"/>
+                          </a:schemeClr>
+                        </a:solidFill>
+                      </a:endParaRPr>
+                    </a:p>
+                  </a:txBody>
+                  <a:tcPr/>
+                </a:tc>
+              </a:tr>
+              <a:tr h="273036">
+                <a:tc>
+                  <a:txBody>
+                    <a:bodyPr/>
+                    <a:lstStyle/>
+                    <a:p>
+                      <a:pPr algn="ctr"/>
+                      <a:r>
+                        <a:rPr lang="en-US" sz="1600" dirty="0" err="1" smtClean="0">
+                          <a:solidFill>
+                            <a:schemeClr val="bg1">
+                              <a:lumMod val="65000"/>
+                            </a:schemeClr>
+                          </a:solidFill>
+                        </a:rPr>
+                        <a:t>camcol</a:t>
+                      </a:r>
+                      <a:endParaRPr lang="en-US" sz="1600" dirty="0">
+                        <a:solidFill>
+                          <a:schemeClr val="bg1">
+                            <a:lumMod val="65000"/>
+                          </a:schemeClr>
+                        </a:solidFill>
+                      </a:endParaRPr>
+                    </a:p>
+                  </a:txBody>
+                  <a:tcPr/>
+                </a:tc>
+              </a:tr>
+              <a:tr h="273036">
+                <a:tc>
+                  <a:txBody>
+                    <a:bodyPr/>
+                    <a:lstStyle/>
+                    <a:p>
+                      <a:pPr algn="ctr"/>
+                      <a:r>
+                        <a:rPr lang="en-US" sz="1600" dirty="0" smtClean="0">
+                          <a:solidFill>
+                            <a:schemeClr val="bg1">
+                              <a:lumMod val="65000"/>
+                            </a:schemeClr>
+                          </a:solidFill>
+                        </a:rPr>
+                        <a:t>field</a:t>
+                      </a:r>
+                      <a:endParaRPr lang="en-US" sz="1600" dirty="0">
+                        <a:solidFill>
+                          <a:schemeClr val="bg1">
+                            <a:lumMod val="65000"/>
+                          </a:schemeClr>
+                        </a:solidFill>
+                      </a:endParaRPr>
+                    </a:p>
+                  </a:txBody>
+                  <a:tcPr/>
+                </a:tc>
+              </a:tr>
+              <a:tr h="273036">
+                <a:tc>
+                  <a:txBody>
+                    <a:bodyPr/>
+                    <a:lstStyle/>
+                    <a:p>
+                      <a:pPr algn="ctr"/>
+                      <a:r>
+                        <a:rPr lang="en-US" sz="1600" dirty="0" err="1" smtClean="0">
+                          <a:solidFill>
+                            <a:schemeClr val="bg1">
+                              <a:lumMod val="65000"/>
+                            </a:schemeClr>
+                          </a:solidFill>
+                        </a:rPr>
+                        <a:t>specobjid</a:t>
+                      </a:r>
+                      <a:endParaRPr lang="en-US" sz="1600" dirty="0">
+                        <a:solidFill>
+                          <a:schemeClr val="bg1">
+                            <a:lumMod val="65000"/>
+                          </a:schemeClr>
+                        </a:solidFill>
+                      </a:endParaRPr>
+                    </a:p>
+                  </a:txBody>
+                  <a:tcPr/>
+                </a:tc>
+              </a:tr>
+              <a:tr h="273036">
+                <a:tc>
+                  <a:txBody>
+                    <a:bodyPr/>
+                    <a:lstStyle/>
+                    <a:p>
+                      <a:pPr algn="ctr"/>
+                      <a:r>
+                        <a:rPr lang="en-US" sz="1600" dirty="0" smtClean="0">
+                          <a:solidFill>
+                            <a:srgbClr val="00B050"/>
+                          </a:solidFill>
+                        </a:rPr>
+                        <a:t>class</a:t>
+                      </a:r>
+                      <a:endParaRPr lang="en-US" sz="1600" dirty="0">
+                        <a:solidFill>
+                          <a:srgbClr val="00B050"/>
+                        </a:solidFill>
+                      </a:endParaRPr>
+                    </a:p>
+                  </a:txBody>
+                  <a:tcPr/>
+                </a:tc>
+              </a:tr>
+              <a:tr h="273036">
+                <a:tc>
+                  <a:txBody>
+                    <a:bodyPr/>
+                    <a:lstStyle/>
+                    <a:p>
+                      <a:pPr algn="ctr"/>
+                      <a:r>
+                        <a:rPr lang="en-US" sz="1600" dirty="0" smtClean="0">
+                          <a:solidFill>
+                            <a:srgbClr val="0070C0"/>
+                          </a:solidFill>
+                        </a:rPr>
+                        <a:t>redshift</a:t>
+                      </a:r>
+                      <a:endParaRPr lang="en-US" sz="1600" dirty="0">
+                        <a:solidFill>
+                          <a:srgbClr val="0070C0"/>
+                        </a:solidFill>
+                      </a:endParaRPr>
+                    </a:p>
+                  </a:txBody>
+                  <a:tcPr/>
+                </a:tc>
+              </a:tr>
+              <a:tr h="273036">
+                <a:tc>
+                  <a:txBody>
+                    <a:bodyPr/>
+                    <a:lstStyle/>
+                    <a:p>
+                      <a:pPr algn="ctr"/>
+                      <a:r>
+                        <a:rPr lang="en-US" sz="1600" dirty="0" smtClean="0">
+                          <a:solidFill>
+                            <a:schemeClr val="bg1">
+                              <a:lumMod val="65000"/>
+                            </a:schemeClr>
+                          </a:solidFill>
+                        </a:rPr>
+                        <a:t>plate</a:t>
+                      </a:r>
+                      <a:endParaRPr lang="en-US" sz="1600" dirty="0">
+                        <a:solidFill>
+                          <a:schemeClr val="bg1">
+                            <a:lumMod val="65000"/>
+                          </a:schemeClr>
+                        </a:solidFill>
+                      </a:endParaRPr>
+                    </a:p>
+                  </a:txBody>
+                  <a:tcPr/>
+                </a:tc>
+              </a:tr>
+              <a:tr h="273036">
+                <a:tc>
+                  <a:txBody>
+                    <a:bodyPr/>
+                    <a:lstStyle/>
+                    <a:p>
+                      <a:pPr algn="ctr"/>
+                      <a:r>
+                        <a:rPr lang="en-US" sz="1600" dirty="0" err="1" smtClean="0">
+                          <a:solidFill>
+                            <a:schemeClr val="bg1">
+                              <a:lumMod val="65000"/>
+                            </a:schemeClr>
+                          </a:solidFill>
+                        </a:rPr>
+                        <a:t>mjd</a:t>
+                      </a:r>
+                      <a:endParaRPr lang="en-US" sz="1600" dirty="0">
+                        <a:solidFill>
+                          <a:schemeClr val="bg1">
+                            <a:lumMod val="65000"/>
+                          </a:schemeClr>
+                        </a:solidFill>
+                      </a:endParaRPr>
+                    </a:p>
+                  </a:txBody>
+                  <a:tcPr/>
+                </a:tc>
+              </a:tr>
+              <a:tr h="273036">
+                <a:tc>
+                  <a:txBody>
+                    <a:bodyPr/>
+                    <a:lstStyle/>
+                    <a:p>
+                      <a:pPr algn="ctr"/>
+                      <a:r>
+                        <a:rPr lang="en-US" sz="1600" dirty="0" err="1" smtClean="0">
+                          <a:solidFill>
+                            <a:schemeClr val="bg1">
+                              <a:lumMod val="65000"/>
+                            </a:schemeClr>
+                          </a:solidFill>
+                        </a:rPr>
+                        <a:t>fiberid</a:t>
+                      </a:r>
+                      <a:endParaRPr lang="en-US" sz="1600" dirty="0">
+                        <a:solidFill>
+                          <a:schemeClr val="bg1">
+                            <a:lumMod val="65000"/>
+                          </a:schemeClr>
+                        </a:solidFill>
+                      </a:endParaRPr>
+                    </a:p>
+                  </a:txBody>
+                  <a:tcPr/>
+                </a:tc>
+              </a:tr>
+            </a:tbl>
+          </a:graphicData>
+        </a:graphic>
+      </p:graphicFrame>
+      <p:sp>
+        <p:nvSpPr>
+          <p:cNvPr id="5" name="Content Placeholder 2"/>
+          <p:cNvSpPr txBox="1">
+            <a:spLocks/>
+          </p:cNvSpPr>
+          <p:nvPr/>
+        </p:nvSpPr>
+        <p:spPr>
+          <a:xfrm>
+            <a:off x="1141413" y="1732300"/>
+            <a:ext cx="3296341" cy="4080387"/>
+          </a:xfrm>
+          <a:prstGeom prst="rect">
+            <a:avLst/>
+          </a:prstGeom>
+        </p:spPr>
+        <p:txBody>
+          <a:bodyPr vert="horz" lIns="91440" tIns="45720" rIns="91440" bIns="45720" rtlCol="0">
+            <a:normAutofit/>
+          </a:bodyPr>
+          <a:lstStyle>
+            <a:lvl1pPr marL="182880" indent="-182880" algn="l" defTabSz="914400" rtl="0" eaLnBrk="1" latinLnBrk="0" hangingPunct="1">
+              <a:lnSpc>
+                <a:spcPct val="95000"/>
+              </a:lnSpc>
+              <a:spcBef>
+                <a:spcPts val="1400"/>
+              </a:spcBef>
+              <a:spcAft>
+                <a:spcPts val="200"/>
+              </a:spcAft>
+              <a:buClr>
+                <a:schemeClr val="accent1"/>
+              </a:buClr>
+              <a:buSzPct val="80000"/>
+              <a:buFont typeface="Arial" pitchFamily="34" charset="0"/>
+              <a:buChar char="•"/>
+              <a:defRPr sz="1800" kern="1200" spc="10" baseline="0">
+                <a:solidFill>
+                  <a:schemeClr val="tx1"/>
+                </a:solidFill>
+                <a:latin typeface="+mn-lt"/>
+                <a:ea typeface="+mn-ea"/>
+                <a:cs typeface="+mn-cs"/>
+              </a:defRPr>
+            </a:lvl1pPr>
+            <a:lvl2pPr marL="457200" indent="-182880" algn="l" defTabSz="914400" rtl="0" eaLnBrk="1" latinLnBrk="0" hangingPunct="1">
+              <a:lnSpc>
+                <a:spcPct val="90000"/>
+              </a:lnSpc>
+              <a:spcBef>
+                <a:spcPts val="300"/>
+              </a:spcBef>
+              <a:spcAft>
+                <a:spcPts val="300"/>
+              </a:spcAft>
+              <a:buClr>
+                <a:schemeClr val="accent1"/>
+              </a:buClr>
+              <a:buFont typeface="Wingdings 2" pitchFamily="18" charset="2"/>
+              <a:buChar char=""/>
+              <a:defRPr sz="1600" kern="1200">
+                <a:solidFill>
+                  <a:schemeClr val="tx1">
+                    <a:lumMod val="85000"/>
+                    <a:lumOff val="15000"/>
+                  </a:schemeClr>
+                </a:solidFill>
+                <a:latin typeface="+mn-lt"/>
+                <a:ea typeface="+mn-ea"/>
+                <a:cs typeface="+mn-cs"/>
+              </a:defRPr>
+            </a:lvl2pPr>
+            <a:lvl3pPr marL="731520" indent="-182880" algn="l" defTabSz="914400" rtl="0" eaLnBrk="1" latinLnBrk="0" hangingPunct="1">
+              <a:lnSpc>
+                <a:spcPct val="90000"/>
+              </a:lnSpc>
+              <a:spcBef>
+                <a:spcPts val="300"/>
+              </a:spcBef>
+              <a:spcAft>
+                <a:spcPts val="300"/>
+              </a:spcAft>
+              <a:buClr>
+                <a:schemeClr val="accent1"/>
+              </a:buClr>
+              <a:buFont typeface="Wingdings 2" pitchFamily="18" charset="2"/>
+              <a:buChar char=""/>
+              <a:defRPr sz="1400" kern="1200">
+                <a:solidFill>
+                  <a:schemeClr val="tx1">
+                    <a:lumMod val="85000"/>
+                    <a:lumOff val="15000"/>
+                  </a:schemeClr>
+                </a:solidFill>
+                <a:latin typeface="+mn-lt"/>
+                <a:ea typeface="+mn-ea"/>
+                <a:cs typeface="+mn-cs"/>
+              </a:defRPr>
+            </a:lvl3pPr>
+            <a:lvl4pPr marL="1005840" indent="-182880" algn="l" defTabSz="914400" rtl="0" eaLnBrk="1" latinLnBrk="0" hangingPunct="1">
+              <a:lnSpc>
+                <a:spcPct val="90000"/>
+              </a:lnSpc>
+              <a:spcBef>
+                <a:spcPts val="300"/>
+              </a:spcBef>
+              <a:spcAft>
+                <a:spcPts val="300"/>
+              </a:spcAft>
+              <a:buClr>
+                <a:schemeClr val="accent1"/>
+              </a:buClr>
+              <a:buFont typeface="Wingdings 2" pitchFamily="18" charset="2"/>
+              <a:buChar char=""/>
+              <a:defRPr sz="1400" kern="1200">
+                <a:solidFill>
+                  <a:schemeClr val="tx1">
+                    <a:lumMod val="85000"/>
+                    <a:lumOff val="15000"/>
+                  </a:schemeClr>
+                </a:solidFill>
+                <a:latin typeface="+mn-lt"/>
+                <a:ea typeface="+mn-ea"/>
+                <a:cs typeface="+mn-cs"/>
+              </a:defRPr>
+            </a:lvl4pPr>
+            <a:lvl5pPr marL="1280160" indent="-182880" algn="l" defTabSz="914400" rtl="0" eaLnBrk="1" latinLnBrk="0" hangingPunct="1">
+              <a:lnSpc>
+                <a:spcPct val="90000"/>
+              </a:lnSpc>
+              <a:spcBef>
+                <a:spcPts val="300"/>
+              </a:spcBef>
+              <a:spcAft>
+                <a:spcPts val="300"/>
+              </a:spcAft>
+              <a:buClr>
+                <a:schemeClr val="accent1"/>
+              </a:buClr>
+              <a:buFont typeface="Wingdings 2" pitchFamily="18" charset="2"/>
+              <a:buChar char=""/>
+              <a:defRPr sz="1400" kern="1200">
+                <a:solidFill>
+                  <a:schemeClr val="tx1">
+                    <a:lumMod val="85000"/>
+                    <a:lumOff val="15000"/>
+                  </a:schemeClr>
+                </a:solidFill>
+                <a:latin typeface="+mn-lt"/>
+                <a:ea typeface="+mn-ea"/>
+                <a:cs typeface="+mn-cs"/>
+              </a:defRPr>
+            </a:lvl5pPr>
+            <a:lvl6pPr marL="1600000" indent="-228600" algn="l" defTabSz="914400" rtl="0" eaLnBrk="1" latinLnBrk="0" hangingPunct="1">
+              <a:lnSpc>
+                <a:spcPct val="90000"/>
+              </a:lnSpc>
+              <a:spcBef>
+                <a:spcPts val="300"/>
+              </a:spcBef>
+              <a:spcAft>
+                <a:spcPts val="300"/>
+              </a:spcAft>
+              <a:buClr>
+                <a:schemeClr val="accent1"/>
+              </a:buClr>
+              <a:buFont typeface="Wingdings 2" pitchFamily="18" charset="2"/>
+              <a:buChar char=""/>
+              <a:defRPr sz="1400" kern="1200">
+                <a:solidFill>
+                  <a:schemeClr val="tx1">
+                    <a:lumMod val="85000"/>
+                    <a:lumOff val="15000"/>
+                  </a:schemeClr>
+                </a:solidFill>
+                <a:latin typeface="+mn-lt"/>
+                <a:ea typeface="+mn-ea"/>
+                <a:cs typeface="+mn-cs"/>
+              </a:defRPr>
+            </a:lvl6pPr>
+            <a:lvl7pPr marL="1900000" indent="-228600" algn="l" defTabSz="914400" rtl="0" eaLnBrk="1" latinLnBrk="0" hangingPunct="1">
+              <a:lnSpc>
+                <a:spcPct val="90000"/>
+              </a:lnSpc>
+              <a:spcBef>
+                <a:spcPts val="300"/>
+              </a:spcBef>
+              <a:spcAft>
+                <a:spcPts val="300"/>
+              </a:spcAft>
+              <a:buClr>
+                <a:schemeClr val="accent1"/>
+              </a:buClr>
+              <a:buFont typeface="Wingdings 2" pitchFamily="18" charset="2"/>
+              <a:buChar char=""/>
+              <a:defRPr sz="1400" kern="1200">
+                <a:solidFill>
+                  <a:schemeClr val="tx1">
+                    <a:lumMod val="85000"/>
+                    <a:lumOff val="15000"/>
+                  </a:schemeClr>
+                </a:solidFill>
+                <a:latin typeface="+mn-lt"/>
+                <a:ea typeface="+mn-ea"/>
+                <a:cs typeface="+mn-cs"/>
+              </a:defRPr>
+            </a:lvl7pPr>
+            <a:lvl8pPr marL="2200000" indent="-228600" algn="l" defTabSz="914400" rtl="0" eaLnBrk="1" latinLnBrk="0" hangingPunct="1">
+              <a:lnSpc>
+                <a:spcPct val="90000"/>
+              </a:lnSpc>
+              <a:spcBef>
+                <a:spcPts val="300"/>
+              </a:spcBef>
+              <a:spcAft>
+                <a:spcPts val="300"/>
+              </a:spcAft>
+              <a:buClr>
+                <a:schemeClr val="accent1"/>
+              </a:buClr>
+              <a:buFont typeface="Wingdings 2" pitchFamily="18" charset="2"/>
+              <a:buChar char=""/>
+              <a:defRPr sz="1400" kern="1200">
+                <a:solidFill>
+                  <a:schemeClr val="tx1">
+                    <a:lumMod val="85000"/>
+                    <a:lumOff val="15000"/>
+                  </a:schemeClr>
+                </a:solidFill>
+                <a:latin typeface="+mn-lt"/>
+                <a:ea typeface="+mn-ea"/>
+                <a:cs typeface="+mn-cs"/>
+              </a:defRPr>
+            </a:lvl8pPr>
+            <a:lvl9pPr marL="2500000" indent="-228600" algn="l" defTabSz="914400" rtl="0" eaLnBrk="1" latinLnBrk="0" hangingPunct="1">
+              <a:lnSpc>
+                <a:spcPct val="90000"/>
+              </a:lnSpc>
+              <a:spcBef>
+                <a:spcPts val="300"/>
+              </a:spcBef>
+              <a:spcAft>
+                <a:spcPts val="300"/>
+              </a:spcAft>
+              <a:buClr>
+                <a:schemeClr val="accent1"/>
+              </a:buClr>
+              <a:buFont typeface="Wingdings 2" pitchFamily="18" charset="2"/>
+              <a:buChar char=""/>
+              <a:defRPr sz="1400" kern="1200">
+                <a:solidFill>
+                  <a:schemeClr val="tx1">
+                    <a:lumMod val="85000"/>
+                    <a:lumOff val="15000"/>
+                  </a:schemeClr>
+                </a:solidFill>
+                <a:latin typeface="+mn-lt"/>
+                <a:ea typeface="+mn-ea"/>
+                <a:cs typeface="+mn-cs"/>
+              </a:defRPr>
+            </a:lvl9pPr>
+          </a:lstStyle>
+          <a:p>
+            <a:pPr marL="0" indent="0">
+              <a:buNone/>
+            </a:pPr>
+            <a:r>
+              <a:rPr lang="en-US" b="1" u="sng" dirty="0" smtClean="0"/>
+              <a:t>Classification Features</a:t>
+            </a:r>
+          </a:p>
+          <a:p>
+            <a:r>
+              <a:rPr lang="en-US" dirty="0" smtClean="0">
+                <a:solidFill>
+                  <a:schemeClr val="bg1">
+                    <a:lumMod val="65000"/>
+                  </a:schemeClr>
+                </a:solidFill>
+              </a:rPr>
+              <a:t>Image/Identification Data</a:t>
+            </a:r>
+          </a:p>
+          <a:p>
+            <a:pPr lvl="1"/>
+            <a:r>
+              <a:rPr lang="en-US" dirty="0" smtClean="0">
+                <a:solidFill>
+                  <a:schemeClr val="bg1">
+                    <a:lumMod val="65000"/>
+                  </a:schemeClr>
+                </a:solidFill>
+              </a:rPr>
+              <a:t>Ex. run, rerun, and </a:t>
+            </a:r>
+            <a:r>
+              <a:rPr lang="en-US" dirty="0" err="1" smtClean="0">
+                <a:solidFill>
+                  <a:schemeClr val="bg1">
+                    <a:lumMod val="65000"/>
+                  </a:schemeClr>
+                </a:solidFill>
+              </a:rPr>
+              <a:t>camcol</a:t>
+            </a:r>
+            <a:r>
+              <a:rPr lang="en-US" dirty="0" smtClean="0">
+                <a:solidFill>
+                  <a:schemeClr val="bg1">
+                    <a:lumMod val="65000"/>
+                  </a:schemeClr>
+                </a:solidFill>
+              </a:rPr>
+              <a:t> describe a field within an image</a:t>
+            </a:r>
+          </a:p>
+          <a:p>
+            <a:pPr lvl="1"/>
+            <a:r>
+              <a:rPr lang="en-US" dirty="0" smtClean="0">
+                <a:solidFill>
+                  <a:schemeClr val="bg1">
+                    <a:lumMod val="65000"/>
+                  </a:schemeClr>
+                </a:solidFill>
+              </a:rPr>
+              <a:t>NOT used in classification model</a:t>
+            </a:r>
+          </a:p>
+          <a:p>
+            <a:r>
+              <a:rPr lang="en-US" dirty="0" smtClean="0">
+                <a:solidFill>
+                  <a:srgbClr val="0070C0"/>
+                </a:solidFill>
+              </a:rPr>
+              <a:t>Spectral Data</a:t>
+            </a:r>
+          </a:p>
+          <a:p>
+            <a:pPr lvl="1"/>
+            <a:r>
+              <a:rPr lang="en-US" dirty="0" smtClean="0">
+                <a:solidFill>
+                  <a:schemeClr val="tx1"/>
+                </a:solidFill>
+              </a:rPr>
+              <a:t>Object specific data</a:t>
+            </a:r>
+          </a:p>
+          <a:p>
+            <a:pPr lvl="2"/>
+            <a:r>
+              <a:rPr lang="en-US" dirty="0">
+                <a:solidFill>
+                  <a:schemeClr val="tx1"/>
+                </a:solidFill>
+              </a:rPr>
+              <a:t>5-color photometric color </a:t>
+            </a:r>
+            <a:r>
+              <a:rPr lang="en-US" dirty="0" smtClean="0">
+                <a:solidFill>
+                  <a:schemeClr val="tx1"/>
+                </a:solidFill>
+              </a:rPr>
+              <a:t>system</a:t>
+            </a:r>
+          </a:p>
+          <a:p>
+            <a:pPr lvl="2"/>
+            <a:r>
+              <a:rPr lang="en-US" dirty="0" smtClean="0">
+                <a:solidFill>
+                  <a:schemeClr val="tx1"/>
+                </a:solidFill>
+              </a:rPr>
+              <a:t>Redshift</a:t>
+            </a:r>
+          </a:p>
+          <a:p>
+            <a:pPr lvl="1"/>
+            <a:r>
+              <a:rPr lang="en-US" dirty="0" smtClean="0">
+                <a:solidFill>
+                  <a:schemeClr val="tx1"/>
+                </a:solidFill>
+              </a:rPr>
+              <a:t>Used in classification model</a:t>
+            </a:r>
+            <a:endParaRPr lang="en-US" dirty="0">
+              <a:solidFill>
+                <a:schemeClr val="tx1"/>
+              </a:solidFill>
+            </a:endParaRPr>
+          </a:p>
+          <a:p>
+            <a:pPr lvl="1"/>
+            <a:endParaRPr lang="en-US" dirty="0" smtClean="0">
+              <a:solidFill>
+                <a:schemeClr val="tx1"/>
+              </a:solidFill>
+            </a:endParaRPr>
+          </a:p>
+        </p:txBody>
+      </p:sp>
+      <p:sp>
+        <p:nvSpPr>
           <p:cNvPr id="6" name="Content Placeholder 2"/>
           <p:cNvSpPr txBox="1">
             <a:spLocks/>
@@ -5220,85 +6550,14 @@
   <p:timing>
     <p:tnLst>
       <p:par>
-        <p:cTn id="1" dur="indefinite" restart="never" nodeType="tmRoot">
-          <p:childTnLst>
-            <p:seq concurrent="1" nextAc="seek">
-              <p:cTn id="2" dur="indefinite" nodeType="mainSeq">
-                <p:childTnLst>
-                  <p:par>
-                    <p:cTn id="3" fill="hold">
-                      <p:stCondLst>
-                        <p:cond delay="indefinite"/>
-                      </p:stCondLst>
-                      <p:childTnLst>
-                        <p:par>
-                          <p:cTn id="4" fill="hold">
-                            <p:stCondLst>
-                              <p:cond delay="0"/>
-                            </p:stCondLst>
-                            <p:childTnLst>
-                              <p:par>
-                                <p:cTn id="5" presetID="1" presetClass="entr" presetSubtype="0" fill="hold" grpId="0" nodeType="clickEffect">
-                                  <p:stCondLst>
-                                    <p:cond delay="0"/>
-                                  </p:stCondLst>
-                                  <p:childTnLst>
-                                    <p:set>
-                                      <p:cBhvr>
-                                        <p:cTn id="6" dur="1" fill="hold">
-                                          <p:stCondLst>
-                                            <p:cond delay="0"/>
-                                          </p:stCondLst>
-                                        </p:cTn>
-                                        <p:tgtEl>
-                                          <p:spTgt spid="6"/>
-                                        </p:tgtEl>
-                                        <p:attrNameLst>
-                                          <p:attrName>style.visibility</p:attrName>
-                                        </p:attrNameLst>
-                                      </p:cBhvr>
-                                      <p:to>
-                                        <p:strVal val="visible"/>
-                                      </p:to>
-                                    </p:set>
-                                  </p:childTnLst>
-                                </p:cTn>
-                              </p:par>
-                            </p:childTnLst>
-                          </p:cTn>
-                        </p:par>
-                      </p:childTnLst>
-                    </p:cTn>
-                  </p:par>
-                </p:childTnLst>
-              </p:cTn>
-              <p:prevCondLst>
-                <p:cond evt="onPrev" delay="0">
-                  <p:tgtEl>
-                    <p:sldTgt/>
-                  </p:tgtEl>
-                </p:cond>
-              </p:prevCondLst>
-              <p:nextCondLst>
-                <p:cond evt="onNext" delay="0">
-                  <p:tgtEl>
-                    <p:sldTgt/>
-                  </p:tgtEl>
-                </p:cond>
-              </p:nextCondLst>
-            </p:seq>
-          </p:childTnLst>
-        </p:cTn>
+        <p:cTn id="1" dur="indefinite" restart="never" nodeType="tmRoot"/>
       </p:par>
     </p:tnLst>
-    <p:bldLst>
-      <p:bldP spid="6" grpId="0"/>
-    </p:bldLst>
   </p:timing>
 </p:sld>
 </file>
 
-<file path=ppt/slides/slide11.xml><?xml version="1.0" encoding="utf-8"?>
+<file path=ppt/slides/slide12.xml><?xml version="1.0" encoding="utf-8"?>
 <p:sld xmlns:a="http://schemas.openxmlformats.org/drawingml/2006/main" xmlns:r="http://schemas.openxmlformats.org/officeDocument/2006/relationships" xmlns:p="http://schemas.openxmlformats.org/presentationml/2006/main">
   <p:cSld>
     <p:spTree>
@@ -5726,14 +6985,112 @@
   <p:timing>
     <p:tnLst>
       <p:par>
-        <p:cTn id="1" dur="indefinite" restart="never" nodeType="tmRoot"/>
+        <p:cTn id="1" dur="indefinite" restart="never" nodeType="tmRoot">
+          <p:childTnLst>
+            <p:seq concurrent="1" nextAc="seek">
+              <p:cTn id="2" dur="indefinite" nodeType="mainSeq">
+                <p:childTnLst>
+                  <p:par>
+                    <p:cTn id="3" fill="hold">
+                      <p:stCondLst>
+                        <p:cond delay="indefinite"/>
+                      </p:stCondLst>
+                      <p:childTnLst>
+                        <p:par>
+                          <p:cTn id="4" fill="hold">
+                            <p:stCondLst>
+                              <p:cond delay="0"/>
+                            </p:stCondLst>
+                            <p:childTnLst>
+                              <p:par>
+                                <p:cTn id="5" presetID="1" presetClass="entr" presetSubtype="0" fill="hold" nodeType="clickEffect">
+                                  <p:stCondLst>
+                                    <p:cond delay="0"/>
+                                  </p:stCondLst>
+                                  <p:childTnLst>
+                                    <p:set>
+                                      <p:cBhvr>
+                                        <p:cTn id="6" dur="1" fill="hold">
+                                          <p:stCondLst>
+                                            <p:cond delay="0"/>
+                                          </p:stCondLst>
+                                        </p:cTn>
+                                        <p:tgtEl>
+                                          <p:spTgt spid="6"/>
+                                        </p:tgtEl>
+                                        <p:attrNameLst>
+                                          <p:attrName>style.visibility</p:attrName>
+                                        </p:attrNameLst>
+                                      </p:cBhvr>
+                                      <p:to>
+                                        <p:strVal val="visible"/>
+                                      </p:to>
+                                    </p:set>
+                                  </p:childTnLst>
+                                </p:cTn>
+                              </p:par>
+                              <p:par>
+                                <p:cTn id="7" presetID="1" presetClass="entr" presetSubtype="0" fill="hold" grpId="0" nodeType="withEffect">
+                                  <p:stCondLst>
+                                    <p:cond delay="0"/>
+                                  </p:stCondLst>
+                                  <p:childTnLst>
+                                    <p:set>
+                                      <p:cBhvr>
+                                        <p:cTn id="8" dur="1" fill="hold">
+                                          <p:stCondLst>
+                                            <p:cond delay="0"/>
+                                          </p:stCondLst>
+                                        </p:cTn>
+                                        <p:tgtEl>
+                                          <p:spTgt spid="8"/>
+                                        </p:tgtEl>
+                                        <p:attrNameLst>
+                                          <p:attrName>style.visibility</p:attrName>
+                                        </p:attrNameLst>
+                                      </p:cBhvr>
+                                      <p:to>
+                                        <p:strVal val="visible"/>
+                                      </p:to>
+                                    </p:set>
+                                  </p:childTnLst>
+                                </p:cTn>
+                              </p:par>
+                            </p:childTnLst>
+                          </p:cTn>
+                        </p:par>
+                      </p:childTnLst>
+                    </p:cTn>
+                  </p:par>
+                </p:childTnLst>
+              </p:cTn>
+              <p:prevCondLst>
+                <p:cond evt="onPrev" delay="0">
+                  <p:tgtEl>
+                    <p:sldTgt/>
+                  </p:tgtEl>
+                </p:cond>
+              </p:prevCondLst>
+              <p:nextCondLst>
+                <p:cond evt="onNext" delay="0">
+                  <p:tgtEl>
+                    <p:sldTgt/>
+                  </p:tgtEl>
+                </p:cond>
+              </p:nextCondLst>
+            </p:seq>
+          </p:childTnLst>
+        </p:cTn>
       </p:par>
     </p:tnLst>
+    <p:bldLst>
+      <p:bldP spid="8" grpId="0"/>
+    </p:bldLst>
   </p:timing>
 </p:sld>
 </file>
 
-<file path=ppt/slides/slide12.xml><?xml version="1.0" encoding="utf-8"?>
+<file path=ppt/slides/slide13.xml><?xml version="1.0" encoding="utf-8"?>
 <p:sld xmlns:a="http://schemas.openxmlformats.org/drawingml/2006/main" xmlns:r="http://schemas.openxmlformats.org/officeDocument/2006/relationships" xmlns:p="http://schemas.openxmlformats.org/presentationml/2006/main">
   <p:cSld>
     <p:spTree>
@@ -6077,8 +7434,16 @@
               <a:buNone/>
             </a:pPr>
             <a:r>
+              <a:rPr lang="en-US" smtClean="0"/>
+              <a:t>Photometric </a:t>
+            </a:r>
+            <a:r>
+              <a:rPr lang="en-US" smtClean="0"/>
+              <a:t>color band </a:t>
+            </a:r>
+            <a:r>
               <a:rPr lang="en-US" dirty="0" smtClean="0"/>
-              <a:t>Photometric color data is the most correlated within the dataset. </a:t>
+              <a:t>data is the most correlated within the dataset. </a:t>
             </a:r>
           </a:p>
           <a:p>
@@ -6106,7 +7471,7 @@
 </p:sld>
 </file>
 
-<file path=ppt/slides/slide13.xml><?xml version="1.0" encoding="utf-8"?>
+<file path=ppt/slides/slide14.xml><?xml version="1.0" encoding="utf-8"?>
 <p:sld xmlns:a="http://schemas.openxmlformats.org/drawingml/2006/main" xmlns:r="http://schemas.openxmlformats.org/officeDocument/2006/relationships" xmlns:p="http://schemas.openxmlformats.org/presentationml/2006/main">
   <p:cSld>
     <p:spTree>
@@ -6414,7 +7779,7 @@
 </p:sld>
 </file>
 
-<file path=ppt/slides/slide14.xml><?xml version="1.0" encoding="utf-8"?>
+<file path=ppt/slides/slide15.xml><?xml version="1.0" encoding="utf-8"?>
 <p:sld xmlns:a="http://schemas.openxmlformats.org/drawingml/2006/main" xmlns:r="http://schemas.openxmlformats.org/officeDocument/2006/relationships" xmlns:p="http://schemas.openxmlformats.org/presentationml/2006/main">
   <p:cSld>
     <p:spTree>
@@ -6600,7 +7965,7 @@
 </p:sld>
 </file>
 
-<file path=ppt/slides/slide15.xml><?xml version="1.0" encoding="utf-8"?>
+<file path=ppt/slides/slide16.xml><?xml version="1.0" encoding="utf-8"?>
 <p:sld xmlns:a="http://schemas.openxmlformats.org/drawingml/2006/main" xmlns:r="http://schemas.openxmlformats.org/officeDocument/2006/relationships" xmlns:p="http://schemas.openxmlformats.org/presentationml/2006/main">
   <p:cSld>
     <p:spTree>
@@ -6668,7 +8033,7 @@
 </p:sld>
 </file>
 
-<file path=ppt/slides/slide16.xml><?xml version="1.0" encoding="utf-8"?>
+<file path=ppt/slides/slide17.xml><?xml version="1.0" encoding="utf-8"?>
 <p:sld xmlns:a="http://schemas.openxmlformats.org/drawingml/2006/main" xmlns:r="http://schemas.openxmlformats.org/officeDocument/2006/relationships" xmlns:p="http://schemas.openxmlformats.org/presentationml/2006/main">
   <p:cSld>
     <p:spTree>
@@ -6793,7 +8158,7 @@
 </p:sld>
 </file>
 
-<file path=ppt/slides/slide17.xml><?xml version="1.0" encoding="utf-8"?>
+<file path=ppt/slides/slide18.xml><?xml version="1.0" encoding="utf-8"?>
 <p:sld xmlns:a="http://schemas.openxmlformats.org/drawingml/2006/main" xmlns:r="http://schemas.openxmlformats.org/officeDocument/2006/relationships" xmlns:p="http://schemas.openxmlformats.org/presentationml/2006/main">
   <p:cSld>
     <p:spTree>
@@ -6948,7 +8313,7 @@
 </p:sld>
 </file>
 
-<file path=ppt/slides/slide18.xml><?xml version="1.0" encoding="utf-8"?>
+<file path=ppt/slides/slide19.xml><?xml version="1.0" encoding="utf-8"?>
 <p:sld xmlns:a="http://schemas.openxmlformats.org/drawingml/2006/main" xmlns:r="http://schemas.openxmlformats.org/officeDocument/2006/relationships" xmlns:p="http://schemas.openxmlformats.org/presentationml/2006/main">
   <p:cSld>
     <p:spTree>
@@ -7103,7 +8468,142 @@
 </p:sld>
 </file>
 
-<file path=ppt/slides/slide19.xml><?xml version="1.0" encoding="utf-8"?>
+<file path=ppt/slides/slide2.xml><?xml version="1.0" encoding="utf-8"?>
+<p:sld xmlns:a="http://schemas.openxmlformats.org/drawingml/2006/main" xmlns:r="http://schemas.openxmlformats.org/officeDocument/2006/relationships" xmlns:p="http://schemas.openxmlformats.org/presentationml/2006/main">
+  <p:cSld>
+    <p:spTree>
+      <p:nvGrpSpPr>
+        <p:cNvPr id="1" name=""/>
+        <p:cNvGrpSpPr/>
+        <p:nvPr/>
+      </p:nvGrpSpPr>
+      <p:grpSpPr>
+        <a:xfrm>
+          <a:off x="0" y="0"/>
+          <a:ext cx="0" cy="0"/>
+          <a:chOff x="0" y="0"/>
+          <a:chExt cx="0" cy="0"/>
+        </a:xfrm>
+      </p:grpSpPr>
+      <p:sp>
+        <p:nvSpPr>
+          <p:cNvPr id="2" name="Title 1"/>
+          <p:cNvSpPr>
+            <a:spLocks noGrp="1"/>
+          </p:cNvSpPr>
+          <p:nvPr>
+            <p:ph type="title"/>
+          </p:nvPr>
+        </p:nvSpPr>
+        <p:spPr>
+          <a:xfrm>
+            <a:off x="1141413" y="609600"/>
+            <a:ext cx="9905998" cy="879987"/>
+          </a:xfrm>
+        </p:spPr>
+        <p:txBody>
+          <a:bodyPr/>
+          <a:lstStyle/>
+          <a:p>
+            <a:r>
+              <a:rPr lang="en-US" dirty="0" smtClean="0"/>
+              <a:t>Project Objective</a:t>
+            </a:r>
+            <a:endParaRPr lang="en-US" dirty="0"/>
+          </a:p>
+        </p:txBody>
+      </p:sp>
+      <p:sp>
+        <p:nvSpPr>
+          <p:cNvPr id="3" name="Content Placeholder 2"/>
+          <p:cNvSpPr>
+            <a:spLocks noGrp="1"/>
+          </p:cNvSpPr>
+          <p:nvPr>
+            <p:ph idx="1"/>
+          </p:nvPr>
+        </p:nvSpPr>
+        <p:spPr>
+          <a:xfrm>
+            <a:off x="1141413" y="2520436"/>
+            <a:ext cx="5115373" cy="2461137"/>
+          </a:xfrm>
+        </p:spPr>
+        <p:txBody>
+          <a:bodyPr/>
+          <a:lstStyle/>
+          <a:p>
+            <a:r>
+              <a:rPr lang="en-US" dirty="0" smtClean="0"/>
+              <a:t>Multi-class problem using spectral and imaging data from the Sloan Digital Sky Survey</a:t>
+            </a:r>
+          </a:p>
+          <a:p>
+            <a:r>
+              <a:rPr lang="en-US" dirty="0" smtClean="0"/>
+              <a:t>Predict the nature of celestial objects</a:t>
+            </a:r>
+          </a:p>
+          <a:p>
+            <a:r>
+              <a:rPr lang="en-US" dirty="0" smtClean="0"/>
+              <a:t>Evaluation metric = classification rate (accuracy) </a:t>
+            </a:r>
+            <a:endParaRPr lang="en-US" dirty="0"/>
+          </a:p>
+        </p:txBody>
+      </p:sp>
+      <p:pic>
+        <p:nvPicPr>
+          <p:cNvPr id="4" name="Picture 3"/>
+          <p:cNvPicPr>
+            <a:picLocks noChangeAspect="1"/>
+          </p:cNvPicPr>
+          <p:nvPr/>
+        </p:nvPicPr>
+        <p:blipFill>
+          <a:blip r:embed="rId2">
+            <a:extLst>
+              <a:ext uri="{28A0092B-C50C-407E-A947-70E740481C1C}">
+                <a14:useLocalDpi xmlns:a14="http://schemas.microsoft.com/office/drawing/2010/main" val="0"/>
+              </a:ext>
+            </a:extLst>
+          </a:blip>
+          <a:stretch>
+            <a:fillRect/>
+          </a:stretch>
+        </p:blipFill>
+        <p:spPr>
+          <a:xfrm>
+            <a:off x="6256786" y="2260135"/>
+            <a:ext cx="4790625" cy="2981741"/>
+          </a:xfrm>
+          <a:prstGeom prst="rect">
+            <a:avLst/>
+          </a:prstGeom>
+        </p:spPr>
+      </p:pic>
+    </p:spTree>
+    <p:extLst>
+      <p:ext uri="{BB962C8B-B14F-4D97-AF65-F5344CB8AC3E}">
+        <p14:creationId xmlns:p14="http://schemas.microsoft.com/office/powerpoint/2010/main" val="964672508"/>
+      </p:ext>
+    </p:extLst>
+  </p:cSld>
+  <p:clrMapOvr>
+    <a:masterClrMapping/>
+  </p:clrMapOvr>
+  <p:timing>
+    <p:tnLst>
+      <p:par>
+        <p:cTn id="1" dur="indefinite" restart="never" nodeType="tmRoot"/>
+      </p:par>
+    </p:tnLst>
+  </p:timing>
+</p:sld>
+</file>
+
+<file path=ppt/slides/slide20.xml><?xml version="1.0" encoding="utf-8"?>
 <p:sld xmlns:a="http://schemas.openxmlformats.org/drawingml/2006/main" xmlns:r="http://schemas.openxmlformats.org/officeDocument/2006/relationships" xmlns:p="http://schemas.openxmlformats.org/presentationml/2006/main">
   <p:cSld>
     <p:spTree>
@@ -7228,142 +8728,7 @@
 </p:sld>
 </file>
 
-<file path=ppt/slides/slide2.xml><?xml version="1.0" encoding="utf-8"?>
-<p:sld xmlns:a="http://schemas.openxmlformats.org/drawingml/2006/main" xmlns:r="http://schemas.openxmlformats.org/officeDocument/2006/relationships" xmlns:p="http://schemas.openxmlformats.org/presentationml/2006/main">
-  <p:cSld>
-    <p:spTree>
-      <p:nvGrpSpPr>
-        <p:cNvPr id="1" name=""/>
-        <p:cNvGrpSpPr/>
-        <p:nvPr/>
-      </p:nvGrpSpPr>
-      <p:grpSpPr>
-        <a:xfrm>
-          <a:off x="0" y="0"/>
-          <a:ext cx="0" cy="0"/>
-          <a:chOff x="0" y="0"/>
-          <a:chExt cx="0" cy="0"/>
-        </a:xfrm>
-      </p:grpSpPr>
-      <p:sp>
-        <p:nvSpPr>
-          <p:cNvPr id="2" name="Title 1"/>
-          <p:cNvSpPr>
-            <a:spLocks noGrp="1"/>
-          </p:cNvSpPr>
-          <p:nvPr>
-            <p:ph type="title"/>
-          </p:nvPr>
-        </p:nvSpPr>
-        <p:spPr>
-          <a:xfrm>
-            <a:off x="1141413" y="609600"/>
-            <a:ext cx="9905998" cy="879987"/>
-          </a:xfrm>
-        </p:spPr>
-        <p:txBody>
-          <a:bodyPr/>
-          <a:lstStyle/>
-          <a:p>
-            <a:r>
-              <a:rPr lang="en-US" dirty="0" smtClean="0"/>
-              <a:t>Project Objective</a:t>
-            </a:r>
-            <a:endParaRPr lang="en-US" dirty="0"/>
-          </a:p>
-        </p:txBody>
-      </p:sp>
-      <p:sp>
-        <p:nvSpPr>
-          <p:cNvPr id="3" name="Content Placeholder 2"/>
-          <p:cNvSpPr>
-            <a:spLocks noGrp="1"/>
-          </p:cNvSpPr>
-          <p:nvPr>
-            <p:ph idx="1"/>
-          </p:nvPr>
-        </p:nvSpPr>
-        <p:spPr>
-          <a:xfrm>
-            <a:off x="1141413" y="2520436"/>
-            <a:ext cx="5115373" cy="2461137"/>
-          </a:xfrm>
-        </p:spPr>
-        <p:txBody>
-          <a:bodyPr/>
-          <a:lstStyle/>
-          <a:p>
-            <a:r>
-              <a:rPr lang="en-US" dirty="0" smtClean="0"/>
-              <a:t>Multi-class problem using spectral and imaging data from the Sloan Digital Sky Survey</a:t>
-            </a:r>
-          </a:p>
-          <a:p>
-            <a:r>
-              <a:rPr lang="en-US" dirty="0" smtClean="0"/>
-              <a:t>Predict the nature of celestial objects</a:t>
-            </a:r>
-          </a:p>
-          <a:p>
-            <a:r>
-              <a:rPr lang="en-US" dirty="0" smtClean="0"/>
-              <a:t>Evaluation metric = classification rate (accuracy) </a:t>
-            </a:r>
-            <a:endParaRPr lang="en-US" dirty="0"/>
-          </a:p>
-        </p:txBody>
-      </p:sp>
-      <p:pic>
-        <p:nvPicPr>
-          <p:cNvPr id="4" name="Picture 3"/>
-          <p:cNvPicPr>
-            <a:picLocks noChangeAspect="1"/>
-          </p:cNvPicPr>
-          <p:nvPr/>
-        </p:nvPicPr>
-        <p:blipFill>
-          <a:blip r:embed="rId2">
-            <a:extLst>
-              <a:ext uri="{28A0092B-C50C-407E-A947-70E740481C1C}">
-                <a14:useLocalDpi xmlns:a14="http://schemas.microsoft.com/office/drawing/2010/main" val="0"/>
-              </a:ext>
-            </a:extLst>
-          </a:blip>
-          <a:stretch>
-            <a:fillRect/>
-          </a:stretch>
-        </p:blipFill>
-        <p:spPr>
-          <a:xfrm>
-            <a:off x="6256786" y="2260135"/>
-            <a:ext cx="4790625" cy="2981741"/>
-          </a:xfrm>
-          <a:prstGeom prst="rect">
-            <a:avLst/>
-          </a:prstGeom>
-        </p:spPr>
-      </p:pic>
-    </p:spTree>
-    <p:extLst>
-      <p:ext uri="{BB962C8B-B14F-4D97-AF65-F5344CB8AC3E}">
-        <p14:creationId xmlns:p14="http://schemas.microsoft.com/office/powerpoint/2010/main" val="964672508"/>
-      </p:ext>
-    </p:extLst>
-  </p:cSld>
-  <p:clrMapOvr>
-    <a:masterClrMapping/>
-  </p:clrMapOvr>
-  <p:timing>
-    <p:tnLst>
-      <p:par>
-        <p:cTn id="1" dur="indefinite" restart="never" nodeType="tmRoot"/>
-      </p:par>
-    </p:tnLst>
-  </p:timing>
-</p:sld>
-</file>
-
-<file path=ppt/slides/slide20.xml><?xml version="1.0" encoding="utf-8"?>
+<file path=ppt/slides/slide21.xml><?xml version="1.0" encoding="utf-8"?>
 <p:sld xmlns:a="http://schemas.openxmlformats.org/drawingml/2006/main" xmlns:r="http://schemas.openxmlformats.org/officeDocument/2006/relationships" xmlns:p="http://schemas.openxmlformats.org/presentationml/2006/main">
   <p:cSld>
     <p:spTree>
